--- a/docs/simpleitkNotebookDevelopmentTesting.pptx
+++ b/docs/simpleitkNotebookDevelopmentTesting.pptx
@@ -12,7 +12,7 @@
   </p:handoutMasterIdLst>
   <p:sldIdLst>
     <p:sldId id="492" r:id="rId2"/>
-    <p:sldId id="493" r:id="rId3"/>
+    <p:sldId id="497" r:id="rId3"/>
     <p:sldId id="494" r:id="rId4"/>
     <p:sldId id="487" r:id="rId5"/>
     <p:sldId id="488" r:id="rId6"/>
@@ -261,7 +261,7 @@
               <a:pPr>
                 <a:defRPr/>
               </a:pPr>
-              <a:t>12/11/18</a:t>
+              <a:t>1/8/19</a:t>
             </a:fld>
             <a:endParaRPr lang="en-US"/>
           </a:p>
@@ -464,7 +464,7 @@
               <a:pPr>
                 <a:defRPr/>
               </a:pPr>
-              <a:t>12/11/18</a:t>
+              <a:t>1/8/19</a:t>
             </a:fld>
             <a:endParaRPr lang="en-US"/>
           </a:p>
@@ -1071,7 +1071,7 @@
               <a:pPr>
                 <a:defRPr/>
               </a:pPr>
-              <a:t>12/11/18</a:t>
+              <a:t>1/8/19</a:t>
             </a:fld>
             <a:endParaRPr lang="en-US"/>
           </a:p>
@@ -1266,7 +1266,7 @@
               <a:pPr>
                 <a:defRPr/>
               </a:pPr>
-              <a:t>12/11/18</a:t>
+              <a:t>1/8/19</a:t>
             </a:fld>
             <a:endParaRPr lang="en-US"/>
           </a:p>
@@ -1471,7 +1471,7 @@
               <a:pPr>
                 <a:defRPr/>
               </a:pPr>
-              <a:t>12/11/18</a:t>
+              <a:t>1/8/19</a:t>
             </a:fld>
             <a:endParaRPr lang="en-US"/>
           </a:p>
@@ -1735,7 +1735,7 @@
               <a:pPr>
                 <a:defRPr/>
               </a:pPr>
-              <a:t>12/11/18</a:t>
+              <a:t>1/8/19</a:t>
             </a:fld>
             <a:endParaRPr lang="en-US"/>
           </a:p>
@@ -2007,7 +2007,7 @@
               <a:pPr>
                 <a:defRPr/>
               </a:pPr>
-              <a:t>12/11/18</a:t>
+              <a:t>1/8/19</a:t>
             </a:fld>
             <a:endParaRPr lang="en-US"/>
           </a:p>
@@ -2388,7 +2388,7 @@
               <a:pPr>
                 <a:defRPr/>
               </a:pPr>
-              <a:t>12/11/18</a:t>
+              <a:t>1/8/19</a:t>
             </a:fld>
             <a:endParaRPr lang="en-US"/>
           </a:p>
@@ -2903,7 +2903,7 @@
               <a:pPr>
                 <a:defRPr/>
               </a:pPr>
-              <a:t>12/11/18</a:t>
+              <a:t>1/8/19</a:t>
             </a:fld>
             <a:endParaRPr lang="en-US"/>
           </a:p>
@@ -3116,7 +3116,7 @@
               <a:pPr>
                 <a:defRPr/>
               </a:pPr>
-              <a:t>12/11/18</a:t>
+              <a:t>1/8/19</a:t>
             </a:fld>
             <a:endParaRPr lang="en-US"/>
           </a:p>
@@ -3238,7 +3238,7 @@
               <a:pPr>
                 <a:defRPr/>
               </a:pPr>
-              <a:t>12/11/18</a:t>
+              <a:t>1/8/19</a:t>
             </a:fld>
             <a:endParaRPr lang="en-US"/>
           </a:p>
@@ -3540,7 +3540,7 @@
               <a:pPr>
                 <a:defRPr/>
               </a:pPr>
-              <a:t>12/11/18</a:t>
+              <a:t>1/8/19</a:t>
             </a:fld>
             <a:endParaRPr lang="en-US"/>
           </a:p>
@@ -3822,7 +3822,7 @@
               <a:pPr>
                 <a:defRPr/>
               </a:pPr>
-              <a:t>12/11/18</a:t>
+              <a:t>1/8/19</a:t>
             </a:fld>
             <a:endParaRPr lang="en-US"/>
           </a:p>
@@ -4138,7 +4138,7 @@
               <a:pPr>
                 <a:defRPr/>
               </a:pPr>
-              <a:t>12/11/18</a:t>
+              <a:t>1/8/19</a:t>
             </a:fld>
             <a:endParaRPr lang="en-US"/>
           </a:p>
@@ -5109,6 +5109,17 @@
               </a:lnSpc>
             </a:pPr>
             <a:r>
+              <a:rPr lang="en-US" sz="2000" dirty="0">
+                <a:solidFill>
+                  <a:schemeClr val="tx1"/>
+                </a:solidFill>
+                <a:latin typeface="Arial" charset="0"/>
+                <a:ea typeface="ＭＳ Ｐゴシック" pitchFamily="34" charset="-128"/>
+                <a:cs typeface="Arial" charset="0"/>
+              </a:rPr>
+              <a:t>Ziv Yaniv</a:t>
+            </a:r>
+            <a:r>
               <a:rPr lang="en-US" sz="2000" baseline="30000" dirty="0">
                 <a:solidFill>
                   <a:schemeClr val="tx1"/>
@@ -5128,7 +5139,7 @@
                 <a:ea typeface="ＭＳ Ｐゴシック" pitchFamily="34" charset="-128"/>
                 <a:cs typeface="Arial" charset="0"/>
               </a:rPr>
-              <a:t>Ziv Yaniv , </a:t>
+              <a:t> , Bradley C. Lowekamp</a:t>
             </a:r>
             <a:r>
               <a:rPr lang="en-US" sz="2000" baseline="30000" dirty="0">
@@ -5139,29 +5150,7 @@
                 <a:ea typeface="ＭＳ Ｐゴシック" pitchFamily="34" charset="-128"/>
                 <a:cs typeface="Arial" charset="0"/>
               </a:rPr>
-              <a:t>1,3</a:t>
-            </a:r>
-            <a:r>
-              <a:rPr lang="en-US" sz="2000" dirty="0">
-                <a:solidFill>
-                  <a:schemeClr val="tx1"/>
-                </a:solidFill>
-                <a:latin typeface="Arial" charset="0"/>
-                <a:ea typeface="ＭＳ Ｐゴシック" pitchFamily="34" charset="-128"/>
-                <a:cs typeface="Arial" charset="0"/>
-              </a:rPr>
-              <a:t>Bradley C. </a:t>
-            </a:r>
-            <a:r>
-              <a:rPr lang="en-US" sz="2000" dirty="0" err="1">
-                <a:solidFill>
-                  <a:schemeClr val="tx1"/>
-                </a:solidFill>
-                <a:latin typeface="Arial" charset="0"/>
-                <a:ea typeface="ＭＳ Ｐゴシック" pitchFamily="34" charset="-128"/>
-                <a:cs typeface="Arial" charset="0"/>
-              </a:rPr>
-              <a:t>Lowekamp</a:t>
+              <a:t>1,2</a:t>
             </a:r>
             <a:endParaRPr lang="en-US" sz="2000" dirty="0">
               <a:solidFill>
@@ -5245,44 +5234,7 @@
                 <a:ea typeface="ＭＳ Ｐゴシック" pitchFamily="34" charset="-128"/>
                 <a:cs typeface="Arial" charset="0"/>
               </a:rPr>
-              <a:t>TAJ Technologies Inc.</a:t>
-            </a:r>
-            <a:endParaRPr lang="en-US" sz="800" dirty="0">
-              <a:solidFill>
-                <a:schemeClr val="tx1"/>
-              </a:solidFill>
-              <a:latin typeface="Arial" charset="0"/>
-              <a:ea typeface="ＭＳ Ｐゴシック" pitchFamily="34" charset="-128"/>
-              <a:cs typeface="Arial" charset="0"/>
-            </a:endParaRPr>
-          </a:p>
-          <a:p>
-            <a:pPr eaLnBrk="1" hangingPunct="1">
-              <a:lnSpc>
-                <a:spcPct val="80000"/>
-              </a:lnSpc>
-            </a:pPr>
-            <a:r>
-              <a:rPr lang="en-US" sz="2000" baseline="30000" dirty="0">
-                <a:solidFill>
-                  <a:schemeClr val="tx1"/>
-                </a:solidFill>
-                <a:latin typeface="Arial" charset="0"/>
-                <a:ea typeface="ＭＳ Ｐゴシック" pitchFamily="34" charset="-128"/>
-                <a:cs typeface="Arial" charset="0"/>
-              </a:rPr>
-              <a:t>3</a:t>
-            </a:r>
-            <a:r>
-              <a:rPr lang="en-US" sz="2000" dirty="0">
-                <a:solidFill>
-                  <a:schemeClr val="tx1"/>
-                </a:solidFill>
-                <a:latin typeface="Arial" charset="0"/>
-                <a:ea typeface="ＭＳ Ｐゴシック" pitchFamily="34" charset="-128"/>
-                <a:cs typeface="Arial" charset="0"/>
-              </a:rPr>
-              <a:t>MSC LLC</a:t>
+              <a:t>Medical Science and Computing LLC</a:t>
             </a:r>
           </a:p>
           <a:p>
@@ -5304,66 +5256,6 @@
       </p:sp>
       <p:pic>
         <p:nvPicPr>
-          <p:cNvPr id="8" name="Picture 7" descr="nlm.png"/>
-          <p:cNvPicPr>
-            <a:picLocks noChangeAspect="1"/>
-          </p:cNvPicPr>
-          <p:nvPr/>
-        </p:nvPicPr>
-        <p:blipFill>
-          <a:blip r:embed="rId2" cstate="print">
-            <a:extLst>
-              <a:ext uri="{28A0092B-C50C-407E-A947-70E740481C1C}">
-                <a14:useLocalDpi xmlns:a14="http://schemas.microsoft.com/office/drawing/2010/main" val="0"/>
-              </a:ext>
-            </a:extLst>
-          </a:blip>
-          <a:stretch>
-            <a:fillRect/>
-          </a:stretch>
-        </p:blipFill>
-        <p:spPr>
-          <a:xfrm>
-            <a:off x="1266458" y="3854406"/>
-            <a:ext cx="1763592" cy="1289096"/>
-          </a:xfrm>
-          <a:prstGeom prst="rect">
-            <a:avLst/>
-          </a:prstGeom>
-        </p:spPr>
-      </p:pic>
-      <p:pic>
-        <p:nvPicPr>
-          <p:cNvPr id="11" name="Picture 10"/>
-          <p:cNvPicPr>
-            <a:picLocks noChangeAspect="1"/>
-          </p:cNvPicPr>
-          <p:nvPr/>
-        </p:nvPicPr>
-        <p:blipFill>
-          <a:blip r:embed="rId3" cstate="print">
-            <a:extLst>
-              <a:ext uri="{28A0092B-C50C-407E-A947-70E740481C1C}">
-                <a14:useLocalDpi xmlns:a14="http://schemas.microsoft.com/office/drawing/2010/main" val="0"/>
-              </a:ext>
-            </a:extLst>
-          </a:blip>
-          <a:stretch>
-            <a:fillRect/>
-          </a:stretch>
-        </p:blipFill>
-        <p:spPr>
-          <a:xfrm>
-            <a:off x="4296508" y="4159950"/>
-            <a:ext cx="685800" cy="678008"/>
-          </a:xfrm>
-          <a:prstGeom prst="rect">
-            <a:avLst/>
-          </a:prstGeom>
-        </p:spPr>
-      </p:pic>
-      <p:pic>
-        <p:nvPicPr>
           <p:cNvPr id="13" name="Picture 2" descr="SC"/>
           <p:cNvPicPr>
             <a:picLocks noChangeAspect="1" noChangeArrowheads="1"/>
@@ -5371,7 +5263,7 @@
           <p:nvPr/>
         </p:nvPicPr>
         <p:blipFill>
-          <a:blip r:embed="rId4">
+          <a:blip r:embed="rId2">
             <a:extLst>
               <a:ext uri="{28A0092B-C50C-407E-A947-70E740481C1C}">
                 <a14:useLocalDpi xmlns:a14="http://schemas.microsoft.com/office/drawing/2010/main" val="0"/>
@@ -5385,7 +5277,7 @@
         </p:blipFill>
         <p:spPr bwMode="auto">
           <a:xfrm>
-            <a:off x="6248766" y="4145510"/>
+            <a:off x="6240300" y="4164827"/>
             <a:ext cx="1628775" cy="706889"/>
           </a:xfrm>
           <a:prstGeom prst="rect">
@@ -5403,10 +5295,46 @@
           </a:extLst>
         </p:spPr>
       </p:pic>
+      <p:pic>
+        <p:nvPicPr>
+          <p:cNvPr id="3" name="Picture 2">
+            <a:extLst>
+              <a:ext uri="{FF2B5EF4-FFF2-40B4-BE49-F238E27FC236}">
+                <a16:creationId xmlns:a16="http://schemas.microsoft.com/office/drawing/2014/main" id="{7AD5404A-B818-F945-BC01-8B0774EA6F19}"/>
+              </a:ext>
+            </a:extLst>
+          </p:cNvPr>
+          <p:cNvPicPr>
+            <a:picLocks noChangeAspect="1"/>
+          </p:cNvPicPr>
+          <p:nvPr/>
+        </p:nvPicPr>
+        <p:blipFill>
+          <a:blip r:embed="rId3">
+            <a:extLst>
+              <a:ext uri="{28A0092B-C50C-407E-A947-70E740481C1C}">
+                <a14:useLocalDpi xmlns:a14="http://schemas.microsoft.com/office/drawing/2010/main" val="0"/>
+              </a:ext>
+            </a:extLst>
+          </a:blip>
+          <a:stretch>
+            <a:fillRect/>
+          </a:stretch>
+        </p:blipFill>
+        <p:spPr>
+          <a:xfrm>
+            <a:off x="591802" y="4159950"/>
+            <a:ext cx="3112904" cy="759412"/>
+          </a:xfrm>
+          <a:prstGeom prst="rect">
+            <a:avLst/>
+          </a:prstGeom>
+        </p:spPr>
+      </p:pic>
     </p:spTree>
     <p:extLst>
       <p:ext uri="{BB962C8B-B14F-4D97-AF65-F5344CB8AC3E}">
-        <p14:creationId xmlns:p14="http://schemas.microsoft.com/office/powerpoint/2010/main" val="2082292359"/>
+        <p14:creationId xmlns:p14="http://schemas.microsoft.com/office/powerpoint/2010/main" val="3442913135"/>
       </p:ext>
     </p:extLst>
   </p:cSld>
@@ -5517,19 +5445,7 @@
               <a:rPr lang="en-US" sz="2000" dirty="0">
                 <a:hlinkClick r:id="rId3"/>
               </a:rPr>
-              <a:t>I Don’t Like </a:t>
-            </a:r>
-            <a:r>
-              <a:rPr lang="en-US" sz="2000" dirty="0">
-                <a:hlinkClick r:id="rId3"/>
-              </a:rPr>
-              <a:t>N</a:t>
-            </a:r>
-            <a:r>
-              <a:rPr lang="en-US" sz="2000" dirty="0">
-                <a:hlinkClick r:id="rId3"/>
-              </a:rPr>
-              <a:t>otebooks</a:t>
+              <a:t>I Don’t Like Notebooks</a:t>
             </a:r>
             <a:r>
               <a:rPr lang="en-US" sz="2000" dirty="0"/>
